--- a/Presentations/VG Portuguese/2017-Julho/dbatools-VGPortuguese.pptx
+++ b/Presentations/VG Portuguese/2017-Julho/dbatools-VGPortuguese.pptx
@@ -3251,7 +3251,7 @@
           </a:ln>
           <a:extLst>
             <a:ext uri="{C572A759-6A51-4108-AA02-DFA0A04FC94B}">
-              <ma14:wrappingTextBoxFlag xmlns:ma14="http://schemas.microsoft.com/office/mac/drawingml/2011/main" xmlns="" val="1"/>
+              <ma14:wrappingTextBoxFlag xmlns="" xmlns:ma14="http://schemas.microsoft.com/office/mac/drawingml/2011/main" val="1"/>
             </a:ext>
           </a:extLst>
         </p:spPr>
@@ -3436,7 +3436,7 @@
           </a:ln>
           <a:extLst>
             <a:ext uri="{C572A759-6A51-4108-AA02-DFA0A04FC94B}">
-              <ma14:wrappingTextBoxFlag xmlns:ma14="http://schemas.microsoft.com/office/mac/drawingml/2011/main" xmlns="" val="1"/>
+              <ma14:wrappingTextBoxFlag xmlns="" xmlns:ma14="http://schemas.microsoft.com/office/mac/drawingml/2011/main" val="1"/>
             </a:ext>
           </a:extLst>
         </p:spPr>
@@ -4033,7 +4033,7 @@
           </a:ln>
           <a:extLst>
             <a:ext uri="{C572A759-6A51-4108-AA02-DFA0A04FC94B}">
-              <ma14:wrappingTextBoxFlag xmlns:ma14="http://schemas.microsoft.com/office/mac/drawingml/2011/main" xmlns="" val="1"/>
+              <ma14:wrappingTextBoxFlag xmlns="" xmlns:ma14="http://schemas.microsoft.com/office/mac/drawingml/2011/main" val="1"/>
             </a:ext>
           </a:extLst>
         </p:spPr>
@@ -4693,7 +4693,7 @@
           </a:ln>
           <a:extLst>
             <a:ext uri="{C572A759-6A51-4108-AA02-DFA0A04FC94B}">
-              <ma14:wrappingTextBoxFlag xmlns:ma14="http://schemas.microsoft.com/office/mac/drawingml/2011/main" xmlns="" val="1"/>
+              <ma14:wrappingTextBoxFlag xmlns="" xmlns:ma14="http://schemas.microsoft.com/office/mac/drawingml/2011/main" val="1"/>
             </a:ext>
           </a:extLst>
         </p:spPr>
@@ -5294,7 +5294,7 @@
           </a:ln>
           <a:extLst>
             <a:ext uri="{C572A759-6A51-4108-AA02-DFA0A04FC94B}">
-              <ma14:wrappingTextBoxFlag xmlns:ma14="http://schemas.microsoft.com/office/mac/drawingml/2011/main" xmlns="" val="1"/>
+              <ma14:wrappingTextBoxFlag xmlns="" xmlns:ma14="http://schemas.microsoft.com/office/mac/drawingml/2011/main" val="1"/>
             </a:ext>
           </a:extLst>
         </p:spPr>
@@ -5993,7 +5993,7 @@
           </a:ln>
           <a:extLst>
             <a:ext uri="{C572A759-6A51-4108-AA02-DFA0A04FC94B}">
-              <ma14:wrappingTextBoxFlag xmlns:ma14="http://schemas.microsoft.com/office/mac/drawingml/2011/main" xmlns="" val="1"/>
+              <ma14:wrappingTextBoxFlag xmlns="" xmlns:ma14="http://schemas.microsoft.com/office/mac/drawingml/2011/main" val="1"/>
             </a:ext>
           </a:extLst>
         </p:spPr>
@@ -6179,7 +6179,7 @@
           </a:ln>
           <a:extLst>
             <a:ext uri="{C572A759-6A51-4108-AA02-DFA0A04FC94B}">
-              <ma14:wrappingTextBoxFlag xmlns:ma14="http://schemas.microsoft.com/office/mac/drawingml/2011/main" xmlns="" val="1"/>
+              <ma14:wrappingTextBoxFlag xmlns="" xmlns:ma14="http://schemas.microsoft.com/office/mac/drawingml/2011/main" val="1"/>
             </a:ext>
           </a:extLst>
         </p:spPr>
@@ -6218,7 +6218,7 @@
           </a:ln>
           <a:extLst>
             <a:ext uri="{C572A759-6A51-4108-AA02-DFA0A04FC94B}">
-              <ma14:wrappingTextBoxFlag xmlns:ma14="http://schemas.microsoft.com/office/mac/drawingml/2011/main" xmlns="" val="1"/>
+              <ma14:wrappingTextBoxFlag xmlns="" xmlns:ma14="http://schemas.microsoft.com/office/mac/drawingml/2011/main" val="1"/>
             </a:ext>
           </a:extLst>
         </p:spPr>
@@ -7225,8 +7225,8 @@
         </p:nvSpPr>
         <p:spPr>
           <a:xfrm>
-            <a:off x="4739323" y="5463822"/>
-            <a:ext cx="2954655" cy="369332"/>
+            <a:off x="4508490" y="5463822"/>
+            <a:ext cx="3416320" cy="369332"/>
           </a:xfrm>
           <a:prstGeom prst="rect">
             <a:avLst/>
@@ -7244,7 +7244,7 @@
                   <a:schemeClr val="tx1"/>
                 </a:solidFill>
               </a:rPr>
-              <a:t>Presented by Cláudio Silva</a:t>
+              <a:t>Apresentado por Cláudio Silva</a:t>
             </a:r>
             <a:endParaRPr lang="en-US" dirty="0"/>
           </a:p>
@@ -7738,14 +7738,14 @@
             </a:ln>
             <a:extLst>
               <a:ext uri="{909E8E84-426E-40dd-AFC4-6F175D3DCCD1}">
-                <a14:hiddenFill xmlns:a14="http://schemas.microsoft.com/office/drawing/2010/main" xmlns="">
+                <a14:hiddenFill xmlns="" xmlns:a14="http://schemas.microsoft.com/office/drawing/2010/main">
                   <a:solidFill>
                     <a:srgbClr val="FFFFFF"/>
                   </a:solidFill>
                 </a14:hiddenFill>
               </a:ext>
               <a:ext uri="{91240B29-F687-4f45-9708-019B960494DF}">
-                <a14:hiddenLine xmlns:a14="http://schemas.microsoft.com/office/drawing/2010/main" xmlns="" w="9525">
+                <a14:hiddenLine xmlns="" xmlns:a14="http://schemas.microsoft.com/office/drawing/2010/main" w="9525">
                   <a:solidFill>
                     <a:srgbClr val="000000"/>
                   </a:solidFill>
@@ -7785,14 +7785,14 @@
             </a:ln>
             <a:extLst>
               <a:ext uri="{909E8E84-426E-40dd-AFC4-6F175D3DCCD1}">
-                <a14:hiddenFill xmlns:a14="http://schemas.microsoft.com/office/drawing/2010/main" xmlns="">
+                <a14:hiddenFill xmlns="" xmlns:a14="http://schemas.microsoft.com/office/drawing/2010/main">
                   <a:solidFill>
                     <a:srgbClr val="FFFFFF"/>
                   </a:solidFill>
                 </a14:hiddenFill>
               </a:ext>
               <a:ext uri="{91240B29-F687-4f45-9708-019B960494DF}">
-                <a14:hiddenLine xmlns:a14="http://schemas.microsoft.com/office/drawing/2010/main" xmlns="" w="9525">
+                <a14:hiddenLine xmlns="" xmlns:a14="http://schemas.microsoft.com/office/drawing/2010/main" w="9525">
                   <a:solidFill>
                     <a:srgbClr val="000000"/>
                   </a:solidFill>
@@ -7962,14 +7962,14 @@
             </a:ln>
             <a:extLst>
               <a:ext uri="{909E8E84-426E-40dd-AFC4-6F175D3DCCD1}">
-                <a14:hiddenFill xmlns:a14="http://schemas.microsoft.com/office/drawing/2010/main" xmlns="">
+                <a14:hiddenFill xmlns="" xmlns:a14="http://schemas.microsoft.com/office/drawing/2010/main">
                   <a:solidFill>
                     <a:srgbClr val="FFFFFF"/>
                   </a:solidFill>
                 </a14:hiddenFill>
               </a:ext>
               <a:ext uri="{91240B29-F687-4f45-9708-019B960494DF}">
-                <a14:hiddenLine xmlns:a14="http://schemas.microsoft.com/office/drawing/2010/main" xmlns="" w="9525">
+                <a14:hiddenLine xmlns="" xmlns:a14="http://schemas.microsoft.com/office/drawing/2010/main" w="9525">
                   <a:solidFill>
                     <a:srgbClr val="000000"/>
                   </a:solidFill>
@@ -8053,14 +8053,14 @@
             </a:ln>
             <a:extLst>
               <a:ext uri="{909E8E84-426E-40dd-AFC4-6F175D3DCCD1}">
-                <a14:hiddenFill xmlns:a14="http://schemas.microsoft.com/office/drawing/2010/main" xmlns="">
+                <a14:hiddenFill xmlns="" xmlns:a14="http://schemas.microsoft.com/office/drawing/2010/main">
                   <a:solidFill>
                     <a:srgbClr val="FFFFFF"/>
                   </a:solidFill>
                 </a14:hiddenFill>
               </a:ext>
               <a:ext uri="{91240B29-F687-4f45-9708-019B960494DF}">
-                <a14:hiddenLine xmlns:a14="http://schemas.microsoft.com/office/drawing/2010/main" xmlns="" w="9525">
+                <a14:hiddenLine xmlns="" xmlns:a14="http://schemas.microsoft.com/office/drawing/2010/main" w="9525">
                   <a:solidFill>
                     <a:srgbClr val="000000"/>
                   </a:solidFill>
@@ -8362,7 +8362,7 @@
           </a:ln>
           <a:extLst>
             <a:ext uri="{C572A759-6A51-4108-AA02-DFA0A04FC94B}">
-              <ma14:wrappingTextBoxFlag xmlns:ma14="http://schemas.microsoft.com/office/mac/drawingml/2011/main" xmlns="" val="1"/>
+              <ma14:wrappingTextBoxFlag xmlns="" xmlns:ma14="http://schemas.microsoft.com/office/mac/drawingml/2011/main" val="1"/>
             </a:ext>
           </a:extLst>
         </p:spPr>
@@ -9767,7 +9767,7 @@
           </a:ln>
           <a:extLst>
             <a:ext uri="{C572A759-6A51-4108-AA02-DFA0A04FC94B}">
-              <ma14:wrappingTextBoxFlag xmlns:ma14="http://schemas.microsoft.com/office/mac/drawingml/2011/main" xmlns="" val="1"/>
+              <ma14:wrappingTextBoxFlag xmlns="" xmlns:ma14="http://schemas.microsoft.com/office/mac/drawingml/2011/main" val="1"/>
             </a:ext>
           </a:extLst>
         </p:spPr>
@@ -10177,7 +10177,7 @@
           </a:ln>
           <a:extLst>
             <a:ext uri="{C572A759-6A51-4108-AA02-DFA0A04FC94B}">
-              <ma14:wrappingTextBoxFlag xmlns:ma14="http://schemas.microsoft.com/office/mac/drawingml/2011/main" xmlns="" val="1"/>
+              <ma14:wrappingTextBoxFlag xmlns="" xmlns:ma14="http://schemas.microsoft.com/office/mac/drawingml/2011/main" val="1"/>
             </a:ext>
           </a:extLst>
         </p:spPr>
